--- a/Presentation_and_FinalReport/Edu-Solutions.pptx
+++ b/Presentation_and_FinalReport/Edu-Solutions.pptx
@@ -114,6 +114,11 @@
       </a:defRPr>
     </a:lvl9pPr>
   </p:defaultTextStyle>
+  <p:extLst>
+    <p:ext uri="{EFAFB233-063F-42B5-8137-9DF3F51BA10A}">
+      <p15:sldGuideLst xmlns:p15="http://schemas.microsoft.com/office/powerpoint/2012/main"/>
+    </p:ext>
+  </p:extLst>
 </p:presentation>
 </file>
 
@@ -5902,7 +5907,7 @@
           <a:p>
             <a:r>
               <a:rPr lang="en-US" dirty="0"/>
-              <a:t>Interface</a:t>
+              <a:t>Login Interface</a:t>
             </a:r>
           </a:p>
         </p:txBody>
@@ -6375,7 +6380,6 @@
                         <a:rPr lang="en-US" dirty="0"/>
                         <a:t>Teachers</a:t>
                       </a:r>
-                      <a:endParaRPr lang="en-US" dirty="0"/>
                     </a:p>
                   </a:txBody>
                   <a:tcPr/>

--- a/Presentation_and_FinalReport/Edu-Solutions.pptx
+++ b/Presentation_and_FinalReport/Edu-Solutions.pptx
@@ -868,7 +868,7 @@
             <a:fld id="{B61BEF0D-F0BB-DE4B-95CE-6DB70DBA9567}" type="datetimeFigureOut">
               <a:rPr lang="en-US" dirty="0"/>
               <a:pPr/>
-              <a:t>5/8/2017</a:t>
+              <a:t>5/9/2017</a:t>
             </a:fld>
             <a:endParaRPr lang="en-US" dirty="0"/>
           </a:p>
@@ -1116,7 +1116,7 @@
             <a:fld id="{B61BEF0D-F0BB-DE4B-95CE-6DB70DBA9567}" type="datetimeFigureOut">
               <a:rPr lang="en-US" dirty="0"/>
               <a:pPr/>
-              <a:t>5/8/2017</a:t>
+              <a:t>5/9/2017</a:t>
             </a:fld>
             <a:endParaRPr lang="en-US" dirty="0"/>
           </a:p>
@@ -1427,7 +1427,7 @@
             <a:fld id="{B61BEF0D-F0BB-DE4B-95CE-6DB70DBA9567}" type="datetimeFigureOut">
               <a:rPr lang="en-US" dirty="0"/>
               <a:pPr/>
-              <a:t>5/8/2017</a:t>
+              <a:t>5/9/2017</a:t>
             </a:fld>
             <a:endParaRPr lang="en-US" dirty="0"/>
           </a:p>
@@ -1757,7 +1757,7 @@
             <a:fld id="{B61BEF0D-F0BB-DE4B-95CE-6DB70DBA9567}" type="datetimeFigureOut">
               <a:rPr lang="en-US" dirty="0"/>
               <a:pPr/>
-              <a:t>5/8/2017</a:t>
+              <a:t>5/9/2017</a:t>
             </a:fld>
             <a:endParaRPr lang="en-US" dirty="0"/>
           </a:p>
@@ -2068,7 +2068,7 @@
             <a:fld id="{B61BEF0D-F0BB-DE4B-95CE-6DB70DBA9567}" type="datetimeFigureOut">
               <a:rPr lang="en-US" dirty="0"/>
               <a:pPr/>
-              <a:t>5/8/2017</a:t>
+              <a:t>5/9/2017</a:t>
             </a:fld>
             <a:endParaRPr lang="en-US" dirty="0"/>
           </a:p>
@@ -2458,7 +2458,7 @@
             <a:fld id="{B61BEF0D-F0BB-DE4B-95CE-6DB70DBA9567}" type="datetimeFigureOut">
               <a:rPr lang="en-US" dirty="0"/>
               <a:pPr/>
-              <a:t>5/8/2017</a:t>
+              <a:t>5/9/2017</a:t>
             </a:fld>
             <a:endParaRPr lang="en-US" dirty="0"/>
           </a:p>
@@ -2624,7 +2624,7 @@
           <a:p>
             <a:fld id="{55C6B4A9-1611-4792-9094-5F34BCA07E0B}" type="datetimeFigureOut">
               <a:rPr lang="en-US" dirty="0"/>
-              <a:t>5/8/2017</a:t>
+              <a:t>5/9/2017</a:t>
             </a:fld>
             <a:endParaRPr lang="en-US" dirty="0"/>
           </a:p>
@@ -2800,7 +2800,7 @@
             <a:fld id="{B61BEF0D-F0BB-DE4B-95CE-6DB70DBA9567}" type="datetimeFigureOut">
               <a:rPr lang="en-US" dirty="0"/>
               <a:pPr/>
-              <a:t>5/8/2017</a:t>
+              <a:t>5/9/2017</a:t>
             </a:fld>
             <a:endParaRPr lang="en-US" dirty="0"/>
           </a:p>
@@ -2966,7 +2966,7 @@
           <a:p>
             <a:fld id="{42A54C80-263E-416B-A8E0-580EDEADCBDC}" type="datetimeFigureOut">
               <a:rPr lang="en-US" dirty="0"/>
-              <a:t>5/8/2017</a:t>
+              <a:t>5/9/2017</a:t>
             </a:fld>
             <a:endParaRPr lang="en-US" dirty="0"/>
           </a:p>
@@ -3209,7 +3209,7 @@
             <a:fld id="{B61BEF0D-F0BB-DE4B-95CE-6DB70DBA9567}" type="datetimeFigureOut">
               <a:rPr lang="en-US" dirty="0"/>
               <a:pPr/>
-              <a:t>5/8/2017</a:t>
+              <a:t>5/9/2017</a:t>
             </a:fld>
             <a:endParaRPr lang="en-US" dirty="0"/>
           </a:p>
@@ -3437,7 +3437,7 @@
           <a:p>
             <a:fld id="{42A54C80-263E-416B-A8E0-580EDEADCBDC}" type="datetimeFigureOut">
               <a:rPr lang="en-US" dirty="0"/>
-              <a:t>5/8/2017</a:t>
+              <a:t>5/9/2017</a:t>
             </a:fld>
             <a:endParaRPr lang="en-US" dirty="0"/>
           </a:p>
@@ -3807,7 +3807,7 @@
             <a:fld id="{B61BEF0D-F0BB-DE4B-95CE-6DB70DBA9567}" type="datetimeFigureOut">
               <a:rPr lang="en-US" dirty="0"/>
               <a:pPr/>
-              <a:t>5/8/2017</a:t>
+              <a:t>5/9/2017</a:t>
             </a:fld>
             <a:endParaRPr lang="en-US" dirty="0"/>
           </a:p>
@@ -3927,7 +3927,7 @@
             <a:fld id="{B61BEF0D-F0BB-DE4B-95CE-6DB70DBA9567}" type="datetimeFigureOut">
               <a:rPr lang="en-US" dirty="0"/>
               <a:pPr/>
-              <a:t>5/8/2017</a:t>
+              <a:t>5/9/2017</a:t>
             </a:fld>
             <a:endParaRPr lang="en-US" dirty="0"/>
           </a:p>
@@ -4019,7 +4019,7 @@
             <a:fld id="{B61BEF0D-F0BB-DE4B-95CE-6DB70DBA9567}" type="datetimeFigureOut">
               <a:rPr lang="en-US" dirty="0"/>
               <a:pPr/>
-              <a:t>5/8/2017</a:t>
+              <a:t>5/9/2017</a:t>
             </a:fld>
             <a:endParaRPr lang="en-US" dirty="0"/>
           </a:p>
@@ -4270,7 +4270,7 @@
           <a:p>
             <a:fld id="{42A54C80-263E-416B-A8E0-580EDEADCBDC}" type="datetimeFigureOut">
               <a:rPr lang="en-US" dirty="0"/>
-              <a:t>5/8/2017</a:t>
+              <a:t>5/9/2017</a:t>
             </a:fld>
             <a:endParaRPr lang="en-US" dirty="0"/>
           </a:p>
@@ -4572,7 +4572,7 @@
             <a:fld id="{B61BEF0D-F0BB-DE4B-95CE-6DB70DBA9567}" type="datetimeFigureOut">
               <a:rPr lang="en-US" dirty="0"/>
               <a:pPr/>
-              <a:t>5/8/2017</a:t>
+              <a:t>5/9/2017</a:t>
             </a:fld>
             <a:endParaRPr lang="en-US" dirty="0"/>
           </a:p>
@@ -5270,7 +5270,7 @@
             <a:fld id="{B61BEF0D-F0BB-DE4B-95CE-6DB70DBA9567}" type="datetimeFigureOut">
               <a:rPr lang="en-US" dirty="0"/>
               <a:pPr/>
-              <a:t>5/8/2017</a:t>
+              <a:t>5/9/2017</a:t>
             </a:fld>
             <a:endParaRPr lang="en-US" dirty="0"/>
           </a:p>
@@ -6855,10 +6855,82 @@
           <a:bodyPr/>
           <a:lstStyle/>
           <a:p>
-            <a:endParaRPr lang="en-US"/>
-          </a:p>
-        </p:txBody>
-      </p:sp>
+            <a:endParaRPr lang="en-US" dirty="0"/>
+          </a:p>
+        </p:txBody>
+      </p:sp>
+      <p:pic>
+        <p:nvPicPr>
+          <p:cNvPr id="4" name="Picture 3"/>
+          <p:cNvPicPr>
+            <a:picLocks noChangeAspect="1"/>
+          </p:cNvPicPr>
+          <p:nvPr/>
+        </p:nvPicPr>
+        <p:blipFill>
+          <a:blip r:embed="rId2"/>
+          <a:stretch>
+            <a:fillRect/>
+          </a:stretch>
+        </p:blipFill>
+        <p:spPr>
+          <a:xfrm>
+            <a:off x="0" y="1552575"/>
+            <a:ext cx="4714875" cy="5305425"/>
+          </a:xfrm>
+          <a:prstGeom prst="rect">
+            <a:avLst/>
+          </a:prstGeom>
+        </p:spPr>
+      </p:pic>
+      <p:pic>
+        <p:nvPicPr>
+          <p:cNvPr id="6" name="Picture 5"/>
+          <p:cNvPicPr>
+            <a:picLocks noChangeAspect="1"/>
+          </p:cNvPicPr>
+          <p:nvPr/>
+        </p:nvPicPr>
+        <p:blipFill>
+          <a:blip r:embed="rId3"/>
+          <a:stretch>
+            <a:fillRect/>
+          </a:stretch>
+        </p:blipFill>
+        <p:spPr>
+          <a:xfrm>
+            <a:off x="3769469" y="1552575"/>
+            <a:ext cx="4037541" cy="4997515"/>
+          </a:xfrm>
+          <a:prstGeom prst="rect">
+            <a:avLst/>
+          </a:prstGeom>
+        </p:spPr>
+      </p:pic>
+      <p:pic>
+        <p:nvPicPr>
+          <p:cNvPr id="7" name="Picture 6"/>
+          <p:cNvPicPr>
+            <a:picLocks noChangeAspect="1"/>
+          </p:cNvPicPr>
+          <p:nvPr/>
+        </p:nvPicPr>
+        <p:blipFill>
+          <a:blip r:embed="rId4"/>
+          <a:stretch>
+            <a:fillRect/>
+          </a:stretch>
+        </p:blipFill>
+        <p:spPr>
+          <a:xfrm>
+            <a:off x="7807010" y="1552574"/>
+            <a:ext cx="4229100" cy="5305425"/>
+          </a:xfrm>
+          <a:prstGeom prst="rect">
+            <a:avLst/>
+          </a:prstGeom>
+        </p:spPr>
+      </p:pic>
     </p:spTree>
     <p:extLst>
       <p:ext uri="{BB962C8B-B14F-4D97-AF65-F5344CB8AC3E}">

--- a/Presentation_and_FinalReport/Edu-Solutions.pptx
+++ b/Presentation_and_FinalReport/Edu-Solutions.pptx
@@ -6840,43 +6840,25 @@
           </a:p>
         </p:txBody>
       </p:sp>
-      <p:sp>
-        <p:nvSpPr>
-          <p:cNvPr id="3" name="Content Placeholder 2"/>
-          <p:cNvSpPr>
-            <a:spLocks noGrp="1"/>
-          </p:cNvSpPr>
-          <p:nvPr>
-            <p:ph idx="1"/>
-          </p:nvPr>
-        </p:nvSpPr>
-        <p:spPr/>
-        <p:txBody>
-          <a:bodyPr/>
-          <a:lstStyle/>
-          <a:p>
-            <a:endParaRPr lang="en-US" dirty="0"/>
-          </a:p>
-        </p:txBody>
-      </p:sp>
       <p:pic>
         <p:nvPicPr>
-          <p:cNvPr id="4" name="Picture 3"/>
+          <p:cNvPr id="4" name="Content Placeholder 3"/>
           <p:cNvPicPr>
-            <a:picLocks noChangeAspect="1"/>
+            <a:picLocks noGrp="1" noChangeAspect="1"/>
           </p:cNvPicPr>
-          <p:nvPr/>
+          <p:nvPr>
+            <p:ph idx="1"/>
+          </p:nvPr>
         </p:nvPicPr>
-        <p:blipFill>
+        <p:blipFill rotWithShape="1">
           <a:blip r:embed="rId2"/>
-          <a:stretch>
-            <a:fillRect/>
-          </a:stretch>
+          <a:srcRect l="11162" t="15518" r="50222" b="16554"/>
+          <a:stretch/>
         </p:blipFill>
         <p:spPr>
           <a:xfrm>
-            <a:off x="0" y="1552575"/>
-            <a:ext cx="4714875" cy="5305425"/>
+            <a:off x="1084522" y="1724161"/>
+            <a:ext cx="3221662" cy="4356566"/>
           </a:xfrm>
           <a:prstGeom prst="rect">
             <a:avLst/>
@@ -6885,46 +6867,21 @@
       </p:pic>
       <p:pic>
         <p:nvPicPr>
-          <p:cNvPr id="6" name="Picture 5"/>
+          <p:cNvPr id="8" name="Picture 7"/>
           <p:cNvPicPr>
             <a:picLocks noChangeAspect="1"/>
           </p:cNvPicPr>
           <p:nvPr/>
         </p:nvPicPr>
-        <p:blipFill>
+        <p:blipFill rotWithShape="1">
           <a:blip r:embed="rId3"/>
-          <a:stretch>
-            <a:fillRect/>
-          </a:stretch>
+          <a:srcRect l="10629" t="15659" r="50993" b="25581"/>
+          <a:stretch/>
         </p:blipFill>
         <p:spPr>
           <a:xfrm>
-            <a:off x="3769469" y="1552575"/>
-            <a:ext cx="4037541" cy="4997515"/>
-          </a:xfrm>
-          <a:prstGeom prst="rect">
-            <a:avLst/>
-          </a:prstGeom>
-        </p:spPr>
-      </p:pic>
-      <p:pic>
-        <p:nvPicPr>
-          <p:cNvPr id="7" name="Picture 6"/>
-          <p:cNvPicPr>
-            <a:picLocks noChangeAspect="1"/>
-          </p:cNvPicPr>
-          <p:nvPr/>
-        </p:nvPicPr>
-        <p:blipFill>
-          <a:blip r:embed="rId4"/>
-          <a:stretch>
-            <a:fillRect/>
-          </a:stretch>
-        </p:blipFill>
-        <p:spPr>
-          <a:xfrm>
-            <a:off x="7807010" y="1552574"/>
-            <a:ext cx="4229100" cy="5305425"/>
+            <a:off x="4306184" y="1724161"/>
+            <a:ext cx="3701356" cy="4356566"/>
           </a:xfrm>
           <a:prstGeom prst="rect">
             <a:avLst/>
@@ -6983,25 +6940,31 @@
           </a:p>
         </p:txBody>
       </p:sp>
-      <p:sp>
-        <p:nvSpPr>
-          <p:cNvPr id="3" name="Content Placeholder 2"/>
-          <p:cNvSpPr>
-            <a:spLocks noGrp="1"/>
-          </p:cNvSpPr>
+      <p:pic>
+        <p:nvPicPr>
+          <p:cNvPr id="4" name="Content Placeholder 3"/>
+          <p:cNvPicPr>
+            <a:picLocks noGrp="1" noChangeAspect="1"/>
+          </p:cNvPicPr>
           <p:nvPr>
             <p:ph idx="1"/>
           </p:nvPr>
-        </p:nvSpPr>
-        <p:spPr/>
-        <p:txBody>
-          <a:bodyPr/>
-          <a:lstStyle/>
-          <a:p>
-            <a:endParaRPr lang="en-US"/>
-          </a:p>
-        </p:txBody>
-      </p:sp>
+        </p:nvPicPr>
+        <p:blipFill rotWithShape="1">
+          <a:blip r:embed="rId2"/>
+          <a:srcRect l="10665" t="29102" r="25438" b="7444"/>
+          <a:stretch/>
+        </p:blipFill>
+        <p:spPr>
+          <a:xfrm>
+            <a:off x="765543" y="1412704"/>
+            <a:ext cx="6645349" cy="5073157"/>
+          </a:xfrm>
+          <a:prstGeom prst="rect">
+            <a:avLst/>
+          </a:prstGeom>
+        </p:spPr>
+      </p:pic>
     </p:spTree>
     <p:extLst>
       <p:ext uri="{BB962C8B-B14F-4D97-AF65-F5344CB8AC3E}">
